--- a/b/flow1.pptx
+++ b/b/flow1.pptx
@@ -5,14 +5,13 @@
     <p:sldMasterId id="2147483659" r:id="rId1"/>
   </p:sldMasterIdLst>
   <p:notesMasterIdLst>
-    <p:notesMasterId r:id="rId4"/>
+    <p:notesMasterId r:id="rId3"/>
   </p:notesMasterIdLst>
   <p:handoutMasterIdLst>
-    <p:handoutMasterId r:id="rId5"/>
+    <p:handoutMasterId r:id="rId4"/>
   </p:handoutMasterIdLst>
   <p:sldIdLst>
     <p:sldId id="256" r:id="rId2"/>
-    <p:sldId id="257" r:id="rId3"/>
   </p:sldIdLst>
   <p:sldSz cx="9144000" cy="6697663"/>
   <p:notesSz cx="6858000" cy="9144000"/>
@@ -311,7 +310,7 @@
           <a:p>
             <a:fld id="{3B800AA2-8A1F-8C44-85FD-371AC428BCBC}" type="datetimeFigureOut">
               <a:rPr lang="en-US" smtClean="0"/>
-              <a:t>2/18/17</a:t>
+              <a:t>4/17/17</a:t>
             </a:fld>
             <a:endParaRPr lang="en-US"/>
           </a:p>
@@ -4057,7 +4056,7 @@
             <a:pPr algn="r"/>
             <a:r>
               <a:rPr lang="en-US" sz="1000" smtClean="0"/>
-              <a:t>etpx_create_t_harts_wi_condensed_grp.sql</a:t>
+              <a:t>etpx_create_t_harts_wi_condensed_grp.sqls</a:t>
             </a:r>
             <a:endParaRPr lang="en-US" sz="1000" dirty="0" smtClean="0"/>
           </a:p>
@@ -4192,7 +4191,7 @@
         </p:nvSpPr>
         <p:spPr>
           <a:xfrm>
-            <a:off x="3286562" y="4614608"/>
+            <a:off x="3249392" y="4614608"/>
             <a:ext cx="1326674" cy="338524"/>
           </a:xfrm>
           <a:prstGeom prst="rect">
@@ -4237,8 +4236,8 @@
         </p:nvCxnSpPr>
         <p:spPr>
           <a:xfrm rot="5400000" flipH="1" flipV="1">
-            <a:off x="4495385" y="1660305"/>
-            <a:ext cx="304410" cy="1395382"/>
+            <a:off x="4473083" y="1638003"/>
+            <a:ext cx="304410" cy="1439986"/>
           </a:xfrm>
           <a:prstGeom prst="bentConnector2">
             <a:avLst/>
@@ -4342,7 +4341,7 @@
         </p:nvSpPr>
         <p:spPr>
           <a:xfrm>
-            <a:off x="7652086" y="2230184"/>
+            <a:off x="7416259" y="2222472"/>
             <a:ext cx="878767" cy="246221"/>
           </a:xfrm>
           <a:prstGeom prst="rect">
@@ -4460,7 +4459,7 @@
         <p:spPr>
           <a:xfrm>
             <a:off x="7416259" y="2598319"/>
-            <a:ext cx="1350423" cy="338524"/>
+            <a:ext cx="887177" cy="338524"/>
           </a:xfrm>
           <a:prstGeom prst="rect">
             <a:avLst/>
@@ -4482,7 +4481,7 @@
           </a:ln>
         </p:spPr>
         <p:txBody>
-          <a:bodyPr lIns="91425" tIns="91425" rIns="91425" bIns="91425" anchor="ctr" anchorCtr="0">
+          <a:bodyPr wrap="square" lIns="91425" tIns="91425" rIns="91425" bIns="91425" anchor="ctr" anchorCtr="0">
             <a:spAutoFit/>
           </a:bodyPr>
           <a:lstStyle/>
@@ -4503,8 +4502,8 @@
         </p:nvSpPr>
         <p:spPr>
           <a:xfrm>
-            <a:off x="7443852" y="3046156"/>
-            <a:ext cx="1350423" cy="338524"/>
+            <a:off x="7416259" y="3046156"/>
+            <a:ext cx="878767" cy="338524"/>
           </a:xfrm>
           <a:prstGeom prst="rect">
             <a:avLst/>
@@ -4526,7 +4525,7 @@
           </a:ln>
         </p:spPr>
         <p:txBody>
-          <a:bodyPr lIns="91425" tIns="91425" rIns="91425" bIns="91425" anchor="ctr" anchorCtr="0">
+          <a:bodyPr wrap="square" lIns="91425" tIns="91425" rIns="91425" bIns="91425" anchor="ctr" anchorCtr="0">
             <a:spAutoFit/>
           </a:bodyPr>
           <a:lstStyle/>
@@ -4672,12 +4671,12 @@
         </p:nvCxnSpPr>
         <p:spPr>
           <a:xfrm flipV="1">
-            <a:off x="6810517" y="2353295"/>
-            <a:ext cx="841569" cy="412405"/>
+            <a:off x="6810517" y="2345583"/>
+            <a:ext cx="605742" cy="420117"/>
           </a:xfrm>
           <a:prstGeom prst="bentConnector3">
             <a:avLst>
-              <a:gd name="adj1" fmla="val 37148"/>
+              <a:gd name="adj1" fmla="val 50000"/>
             </a:avLst>
           </a:prstGeom>
           <a:noFill/>
@@ -4704,7 +4703,7 @@
         <p:spPr>
           <a:xfrm>
             <a:off x="6810517" y="2765700"/>
-            <a:ext cx="633335" cy="449718"/>
+            <a:ext cx="605742" cy="449718"/>
           </a:xfrm>
           <a:prstGeom prst="bentConnector3">
             <a:avLst>
@@ -4864,7 +4863,7 @@
         </p:nvSpPr>
         <p:spPr>
           <a:xfrm>
-            <a:off x="3628038" y="5258684"/>
+            <a:off x="3590868" y="5258684"/>
             <a:ext cx="643722" cy="338524"/>
           </a:xfrm>
           <a:prstGeom prst="rect">
@@ -4911,7 +4910,7 @@
         </p:nvCxnSpPr>
         <p:spPr>
           <a:xfrm rot="5400000" flipH="1" flipV="1">
-            <a:off x="3797123" y="5105908"/>
+            <a:off x="3759953" y="5105908"/>
             <a:ext cx="305552" cy="12700"/>
           </a:xfrm>
           <a:prstGeom prst="bentConnector3">
@@ -5018,7 +5017,7 @@
         </p:nvSpPr>
         <p:spPr>
           <a:xfrm>
-            <a:off x="3111633" y="3989657"/>
+            <a:off x="3067029" y="3989657"/>
             <a:ext cx="1676532" cy="338524"/>
           </a:xfrm>
           <a:prstGeom prst="rect">
@@ -5062,9 +5061,9 @@
           <p:nvPr/>
         </p:nvCxnSpPr>
         <p:spPr>
-          <a:xfrm rot="5400000" flipH="1" flipV="1">
-            <a:off x="3806686" y="4471395"/>
-            <a:ext cx="286427" cy="12700"/>
+          <a:xfrm rot="16200000" flipV="1">
+            <a:off x="3765799" y="4467678"/>
+            <a:ext cx="286427" cy="7434"/>
           </a:xfrm>
           <a:prstGeom prst="bentConnector3">
             <a:avLst>
@@ -5091,8 +5090,8 @@
         </p:nvSpPr>
         <p:spPr>
           <a:xfrm>
-            <a:off x="2942292" y="3257134"/>
-            <a:ext cx="2015214" cy="338524"/>
+            <a:off x="2989289" y="3257134"/>
+            <a:ext cx="1832013" cy="338524"/>
           </a:xfrm>
           <a:prstGeom prst="rect">
             <a:avLst/>
@@ -5136,8 +5135,8 @@
         </p:nvCxnSpPr>
         <p:spPr>
           <a:xfrm rot="5400000" flipH="1" flipV="1">
-            <a:off x="3752900" y="3792658"/>
-            <a:ext cx="393999" cy="12700"/>
+            <a:off x="3708296" y="3792658"/>
+            <a:ext cx="393999" cy="1"/>
           </a:xfrm>
           <a:prstGeom prst="bentConnector3">
             <a:avLst>
@@ -5235,15 +5234,15 @@
         </p:nvSpPr>
         <p:spPr>
           <a:xfrm>
-            <a:off x="2203447" y="4555718"/>
-            <a:ext cx="669206" cy="1015663"/>
+            <a:off x="1903262" y="4709607"/>
+            <a:ext cx="969391" cy="707886"/>
           </a:xfrm>
           <a:prstGeom prst="borderCallout1">
             <a:avLst>
               <a:gd name="adj1" fmla="val 607"/>
               <a:gd name="adj2" fmla="val 85283"/>
-              <a:gd name="adj3" fmla="val -22325"/>
-              <a:gd name="adj4" fmla="val 140477"/>
+              <a:gd name="adj3" fmla="val -50680"/>
+              <a:gd name="adj4" fmla="val 148913"/>
             </a:avLst>
           </a:prstGeom>
           <a:solidFill>
@@ -5263,10 +5262,14 @@
           <a:p>
             <a:pPr algn="ctr"/>
             <a:r>
+              <a:rPr lang="en-US" sz="1000" dirty="0" smtClean="0"/>
+              <a:t>Not able </a:t>
+            </a:r>
+            <a:r>
               <a:rPr lang="en-US" sz="1000" smtClean="0"/>
-              <a:t>Includes ugly patch for EKA CC wards</a:t>
+              <a:t>to handle multi-choice elections</a:t>
             </a:r>
-            <a:endParaRPr lang="en-US" sz="1000"/>
+            <a:endParaRPr lang="en-US" sz="1000" dirty="0"/>
           </a:p>
         </p:txBody>
       </p:sp>
@@ -5369,8 +5372,8 @@
         </p:nvCxnSpPr>
         <p:spPr>
           <a:xfrm rot="16200000" flipV="1">
-            <a:off x="3554244" y="2114545"/>
-            <a:ext cx="621971" cy="169341"/>
+            <a:off x="3531942" y="2136847"/>
+            <a:ext cx="621971" cy="124737"/>
           </a:xfrm>
           <a:prstGeom prst="bentConnector3">
             <a:avLst>
@@ -5501,7 +5504,7 @@
         </p:nvSpPr>
         <p:spPr>
           <a:xfrm>
-            <a:off x="2942292" y="2510201"/>
+            <a:off x="2897688" y="2510201"/>
             <a:ext cx="2015214" cy="338524"/>
           </a:xfrm>
           <a:prstGeom prst="rect">
@@ -5548,9 +5551,9 @@
           <p:nvPr/>
         </p:nvCxnSpPr>
         <p:spPr>
-          <a:xfrm rot="5400000" flipH="1" flipV="1">
-            <a:off x="3745695" y="3052930"/>
-            <a:ext cx="408409" cy="12700"/>
+          <a:xfrm rot="16200000" flipV="1">
+            <a:off x="3701092" y="3052929"/>
+            <a:ext cx="408409" cy="1"/>
           </a:xfrm>
           <a:prstGeom prst="bentConnector3">
             <a:avLst>
@@ -5702,12 +5705,12 @@
         </p:nvCxnSpPr>
         <p:spPr>
           <a:xfrm rot="16200000" flipV="1">
-            <a:off x="1219280" y="1883989"/>
-            <a:ext cx="2725650" cy="2735588"/>
+            <a:off x="1200695" y="1902574"/>
+            <a:ext cx="2725650" cy="2698418"/>
           </a:xfrm>
           <a:prstGeom prst="bentConnector3">
             <a:avLst>
-              <a:gd name="adj1" fmla="val 5658"/>
+              <a:gd name="adj1" fmla="val 50000"/>
             </a:avLst>
           </a:prstGeom>
           <a:noFill/>
@@ -6357,6 +6360,141 @@
           </a:ln>
         </p:spPr>
       </p:cxnSp>
+      <p:sp>
+        <p:nvSpPr>
+          <p:cNvPr id="82" name="Shape 58"/>
+          <p:cNvSpPr txBox="1"/>
+          <p:nvPr/>
+        </p:nvSpPr>
+        <p:spPr>
+          <a:xfrm>
+            <a:off x="7416259" y="3518653"/>
+            <a:ext cx="887177" cy="338524"/>
+          </a:xfrm>
+          <a:prstGeom prst="rect">
+            <a:avLst/>
+          </a:prstGeom>
+          <a:solidFill>
+            <a:schemeClr val="accent4">
+              <a:lumMod val="20000"/>
+              <a:lumOff val="80000"/>
+            </a:schemeClr>
+          </a:solidFill>
+          <a:ln w="9525" cap="flat" cmpd="sng">
+            <a:solidFill>
+              <a:srgbClr val="000000"/>
+            </a:solidFill>
+            <a:prstDash val="solid"/>
+            <a:round/>
+            <a:headEnd type="none" w="med" len="med"/>
+            <a:tailEnd type="none" w="med" len="med"/>
+          </a:ln>
+        </p:spPr>
+        <p:txBody>
+          <a:bodyPr wrap="square" lIns="91425" tIns="91425" rIns="91425" bIns="91425" anchor="ctr" anchorCtr="0">
+            <a:spAutoFit/>
+          </a:bodyPr>
+          <a:lstStyle/>
+          <a:p>
+            <a:pPr lvl="0" algn="ctr"/>
+            <a:r>
+              <a:rPr lang="en-US" sz="1000" dirty="0" smtClean="0"/>
+              <a:t>h</a:t>
+            </a:r>
+            <a:r>
+              <a:rPr lang="en" sz="1000" dirty="0" smtClean="0"/>
+              <a:t>2h_contest</a:t>
+            </a:r>
+            <a:endParaRPr lang="en" sz="1000" dirty="0"/>
+          </a:p>
+        </p:txBody>
+      </p:sp>
+      <p:cxnSp>
+        <p:nvCxnSpPr>
+          <p:cNvPr id="83" name="Shape 56"/>
+          <p:cNvCxnSpPr>
+            <a:stCxn id="69" idx="3"/>
+            <a:endCxn id="82" idx="1"/>
+          </p:cNvCxnSpPr>
+          <p:nvPr/>
+        </p:nvCxnSpPr>
+        <p:spPr>
+          <a:xfrm>
+            <a:off x="6810517" y="2765700"/>
+            <a:ext cx="605742" cy="922215"/>
+          </a:xfrm>
+          <a:prstGeom prst="bentConnector3">
+            <a:avLst>
+              <a:gd name="adj1" fmla="val 50000"/>
+            </a:avLst>
+          </a:prstGeom>
+          <a:noFill/>
+          <a:ln w="9525" cap="flat" cmpd="sng">
+            <a:solidFill>
+              <a:schemeClr val="dk2"/>
+            </a:solidFill>
+            <a:prstDash val="solid"/>
+            <a:round/>
+            <a:headEnd type="triangle" w="sm" len="med"/>
+            <a:tailEnd type="none" w="lg" len="lg"/>
+          </a:ln>
+        </p:spPr>
+      </p:cxnSp>
+      <p:sp>
+        <p:nvSpPr>
+          <p:cNvPr id="9" name="Rectangular Callout 8"/>
+          <p:cNvSpPr/>
+          <p:nvPr/>
+        </p:nvSpPr>
+        <p:spPr>
+          <a:xfrm>
+            <a:off x="1437801" y="2588191"/>
+            <a:ext cx="1078908" cy="615553"/>
+          </a:xfrm>
+          <a:prstGeom prst="wedgeRectCallout">
+            <a:avLst>
+              <a:gd name="adj1" fmla="val 177964"/>
+              <a:gd name="adj2" fmla="val 25332"/>
+            </a:avLst>
+          </a:prstGeom>
+          <a:solidFill>
+            <a:schemeClr val="accent4">
+              <a:lumMod val="20000"/>
+              <a:lumOff val="80000"/>
+            </a:schemeClr>
+          </a:solidFill>
+          <a:ln>
+            <a:solidFill>
+              <a:schemeClr val="dk2"/>
+            </a:solidFill>
+          </a:ln>
+        </p:spPr>
+        <p:txBody>
+          <a:bodyPr wrap="square" rtlCol="0" anchor="ctr">
+            <a:spAutoFit/>
+          </a:bodyPr>
+          <a:lstStyle/>
+          <a:p>
+            <a:pPr algn="ctr"/>
+            <a:r>
+              <a:rPr lang="en-US" sz="1000" u="sng" dirty="0"/>
+              <a:t>Manual </a:t>
+            </a:r>
+            <a:r>
+              <a:rPr lang="en-US" sz="1000" u="sng" dirty="0" smtClean="0"/>
+              <a:t>Step:</a:t>
+            </a:r>
+          </a:p>
+          <a:p>
+            <a:pPr algn="ctr"/>
+            <a:r>
+              <a:rPr lang="en-US" sz="800" dirty="0" err="1"/>
+              <a:t>etpx_create_t_harts_wi_condensed_grp.sql</a:t>
+            </a:r>
+            <a:endParaRPr lang="en-US" sz="800" dirty="0"/>
+          </a:p>
+        </p:txBody>
+      </p:sp>
     </p:spTree>
   </p:cSld>
   <p:clrMapOvr>
@@ -6369,240 +6507,6 @@
       </p:par>
     </p:tnLst>
   </p:timing>
-</p:sld>
-</file>
-
-<file path=ppt/slides/slide2.xml><?xml version="1.0" encoding="utf-8"?>
-<p:sld xmlns:a="http://schemas.openxmlformats.org/drawingml/2006/main" xmlns:r="http://schemas.openxmlformats.org/officeDocument/2006/relationships" xmlns:p="http://schemas.openxmlformats.org/presentationml/2006/main">
-  <p:cSld>
-    <p:spTree>
-      <p:nvGrpSpPr>
-        <p:cNvPr id="1" name=""/>
-        <p:cNvGrpSpPr/>
-        <p:nvPr/>
-      </p:nvGrpSpPr>
-      <p:grpSpPr>
-        <a:xfrm>
-          <a:off x="0" y="0"/>
-          <a:ext cx="0" cy="0"/>
-          <a:chOff x="0" y="0"/>
-          <a:chExt cx="0" cy="0"/>
-        </a:xfrm>
-      </p:grpSpPr>
-      <p:sp>
-        <p:nvSpPr>
-          <p:cNvPr id="2" name="Shape 54"/>
-          <p:cNvSpPr txBox="1"/>
-          <p:nvPr/>
-        </p:nvSpPr>
-        <p:spPr>
-          <a:xfrm>
-            <a:off x="4027080" y="944736"/>
-            <a:ext cx="1467934" cy="492412"/>
-          </a:xfrm>
-          <a:prstGeom prst="rect">
-            <a:avLst/>
-          </a:prstGeom>
-          <a:solidFill>
-            <a:srgbClr val="E0FCFF"/>
-          </a:solidFill>
-          <a:ln w="9525" cap="flat" cmpd="sng">
-            <a:solidFill>
-              <a:srgbClr val="000000"/>
-            </a:solidFill>
-            <a:prstDash val="lgDash"/>
-            <a:round/>
-            <a:headEnd type="none" w="med" len="med"/>
-            <a:tailEnd type="none" w="med" len="med"/>
-          </a:ln>
-        </p:spPr>
-        <p:txBody>
-          <a:bodyPr wrap="square" lIns="91425" tIns="91425" rIns="91425" bIns="91425" anchor="ctr" anchorCtr="0">
-            <a:spAutoFit/>
-          </a:bodyPr>
-          <a:lstStyle/>
-          <a:p>
-            <a:pPr lvl="0" algn="ctr"/>
-            <a:r>
-              <a:rPr lang="en" sz="1000" dirty="0" err="1"/>
-              <a:t>n_inconsistency_cnts_format</a:t>
-            </a:r>
-            <a:endParaRPr lang="en" sz="1000" dirty="0"/>
-          </a:p>
-        </p:txBody>
-      </p:sp>
-      <p:cxnSp>
-        <p:nvCxnSpPr>
-          <p:cNvPr id="3" name="Shape 56"/>
-          <p:cNvCxnSpPr/>
-          <p:nvPr/>
-        </p:nvCxnSpPr>
-        <p:spPr>
-          <a:xfrm rot="16200000" flipH="1">
-            <a:off x="5184903" y="1013291"/>
-            <a:ext cx="217723" cy="1065435"/>
-          </a:xfrm>
-          <a:prstGeom prst="bentConnector2">
-            <a:avLst/>
-          </a:prstGeom>
-          <a:noFill/>
-          <a:ln w="9525" cap="flat" cmpd="sng">
-            <a:solidFill>
-              <a:srgbClr val="FF0000"/>
-            </a:solidFill>
-            <a:prstDash val="solid"/>
-            <a:round/>
-            <a:headEnd type="triangle" w="sm" len="med"/>
-            <a:tailEnd type="none" w="lg" len="lg"/>
-          </a:ln>
-        </p:spPr>
-      </p:cxnSp>
-      <p:sp>
-        <p:nvSpPr>
-          <p:cNvPr id="4" name="Rectangle 3"/>
-          <p:cNvSpPr/>
-          <p:nvPr/>
-        </p:nvSpPr>
-        <p:spPr>
-          <a:xfrm>
-            <a:off x="3589890" y="5315762"/>
-            <a:ext cx="907621" cy="246221"/>
-          </a:xfrm>
-          <a:prstGeom prst="rect">
-            <a:avLst/>
-          </a:prstGeom>
-          <a:solidFill>
-            <a:schemeClr val="accent4">
-              <a:lumMod val="20000"/>
-              <a:lumOff val="80000"/>
-            </a:schemeClr>
-          </a:solidFill>
-          <a:ln>
-            <a:solidFill>
-              <a:schemeClr val="dk2"/>
-            </a:solidFill>
-          </a:ln>
-        </p:spPr>
-        <p:txBody>
-          <a:bodyPr wrap="none">
-            <a:spAutoFit/>
-          </a:bodyPr>
-          <a:lstStyle/>
-          <a:p>
-            <a:r>
-              <a:rPr lang="en-US" sz="1000" dirty="0" err="1"/>
-              <a:t>ocrc_contest</a:t>
-            </a:r>
-            <a:endParaRPr lang="en-US" sz="1000" dirty="0"/>
-          </a:p>
-        </p:txBody>
-      </p:sp>
-      <p:cxnSp>
-        <p:nvCxnSpPr>
-          <p:cNvPr id="5" name="Shape 56"/>
-          <p:cNvCxnSpPr/>
-          <p:nvPr/>
-        </p:nvCxnSpPr>
-        <p:spPr>
-          <a:xfrm rot="16200000" flipH="1">
-            <a:off x="3590442" y="4862503"/>
-            <a:ext cx="906492" cy="24"/>
-          </a:xfrm>
-          <a:prstGeom prst="bentConnector3">
-            <a:avLst>
-              <a:gd name="adj1" fmla="val 50000"/>
-            </a:avLst>
-          </a:prstGeom>
-          <a:noFill/>
-          <a:ln w="9525" cap="flat" cmpd="sng">
-            <a:solidFill>
-              <a:schemeClr val="dk2"/>
-            </a:solidFill>
-            <a:prstDash val="solid"/>
-            <a:round/>
-            <a:headEnd type="triangle" w="sm" len="med"/>
-            <a:tailEnd type="none" w="lg" len="lg"/>
-          </a:ln>
-        </p:spPr>
-      </p:cxnSp>
-      <p:sp>
-        <p:nvSpPr>
-          <p:cNvPr id="6" name="Shape 55"/>
-          <p:cNvSpPr txBox="1"/>
-          <p:nvPr/>
-        </p:nvSpPr>
-        <p:spPr>
-          <a:xfrm>
-            <a:off x="2418960" y="2098345"/>
-            <a:ext cx="1624716" cy="338524"/>
-          </a:xfrm>
-          <a:prstGeom prst="rect">
-            <a:avLst/>
-          </a:prstGeom>
-          <a:noFill/>
-          <a:ln w="9525" cap="flat" cmpd="sng">
-            <a:solidFill>
-              <a:srgbClr val="000000"/>
-            </a:solidFill>
-            <a:prstDash val="lgDash"/>
-            <a:round/>
-            <a:headEnd type="none" w="med" len="med"/>
-            <a:tailEnd type="none" w="med" len="med"/>
-          </a:ln>
-        </p:spPr>
-        <p:txBody>
-          <a:bodyPr wrap="square" lIns="91425" tIns="91425" rIns="91425" bIns="91425" anchor="ctr" anchorCtr="0">
-            <a:spAutoFit/>
-          </a:bodyPr>
-          <a:lstStyle/>
-          <a:p>
-            <a:pPr algn="ctr"/>
-            <a:r>
-              <a:rPr lang="en" sz="1000"/>
-              <a:t>n_tevs_v_hart_null_fix</a:t>
-            </a:r>
-            <a:endParaRPr lang="en" sz="1000" dirty="0"/>
-          </a:p>
-        </p:txBody>
-      </p:sp>
-      <p:cxnSp>
-        <p:nvCxnSpPr>
-          <p:cNvPr id="7" name="Shape 56"/>
-          <p:cNvCxnSpPr/>
-          <p:nvPr/>
-        </p:nvCxnSpPr>
-        <p:spPr>
-          <a:xfrm rot="5400000">
-            <a:off x="3030337" y="1894618"/>
-            <a:ext cx="404709" cy="2745"/>
-          </a:xfrm>
-          <a:prstGeom prst="bentConnector3">
-            <a:avLst>
-              <a:gd name="adj1" fmla="val 50000"/>
-            </a:avLst>
-          </a:prstGeom>
-          <a:noFill/>
-          <a:ln w="9525" cap="flat" cmpd="sng">
-            <a:solidFill>
-              <a:schemeClr val="dk2"/>
-            </a:solidFill>
-            <a:prstDash val="solid"/>
-            <a:round/>
-            <a:headEnd type="triangle" w="sm" len="med"/>
-            <a:tailEnd type="none" w="lg" len="lg"/>
-          </a:ln>
-        </p:spPr>
-      </p:cxnSp>
-    </p:spTree>
-    <p:extLst>
-      <p:ext uri="{BB962C8B-B14F-4D97-AF65-F5344CB8AC3E}">
-        <p14:creationId xmlns:p14="http://schemas.microsoft.com/office/powerpoint/2010/main" val="1426710255"/>
-      </p:ext>
-    </p:extLst>
-  </p:cSld>
-  <p:clrMapOvr>
-    <a:masterClrMapping/>
-  </p:clrMapOvr>
 </p:sld>
 </file>
 
